--- a/NYPD_Shootings/Seasons & Shootings.pptx
+++ b/NYPD_Shootings/Seasons & Shootings.pptx
@@ -28,6 +28,8 @@
     <p:sldId id="277" r:id="rId22"/>
     <p:sldId id="278" r:id="rId23"/>
     <p:sldId id="279" r:id="rId24"/>
+    <p:sldId id="280" r:id="rId25"/>
+    <p:sldId id="281" r:id="rId26"/>
   </p:sldIdLst>
   <p:sldSz cx="12192000" cy="6858000"/>
   <p:notesSz cx="6858000" cy="9144000"/>
@@ -6181,11 +6183,11 @@
   <p:clrMapOvr>
     <a:masterClrMapping/>
   </p:clrMapOvr>
-  <mc:AlternateContent xmlns:mc="http://schemas.openxmlformats.org/markup-compatibility/2006">
-    <mc:Choice xmlns:p14="http://schemas.microsoft.com/office/powerpoint/2010/main" Requires="p14">
+  <mc:AlternateContent xmlns:mc="http://schemas.openxmlformats.org/markup-compatibility/2006" xmlns:p14="http://schemas.microsoft.com/office/powerpoint/2010/main">
+    <mc:Choice Requires="p14">
       <p:transition spd="slow" p14:dur="2000" advClick="0" advTm="1000"/>
     </mc:Choice>
-    <mc:Fallback>
+    <mc:Fallback xmlns="">
       <p:transition spd="slow" advClick="0" advTm="1000"/>
     </mc:Fallback>
   </mc:AlternateContent>
@@ -6279,11 +6281,11 @@
   <p:clrMapOvr>
     <a:masterClrMapping/>
   </p:clrMapOvr>
-  <mc:AlternateContent xmlns:mc="http://schemas.openxmlformats.org/markup-compatibility/2006">
-    <mc:Choice xmlns:p14="http://schemas.microsoft.com/office/powerpoint/2010/main" Requires="p14">
+  <mc:AlternateContent xmlns:mc="http://schemas.openxmlformats.org/markup-compatibility/2006" xmlns:p14="http://schemas.microsoft.com/office/powerpoint/2010/main">
+    <mc:Choice Requires="p14">
       <p:transition spd="slow" p14:dur="2000" advClick="0" advTm="1000"/>
     </mc:Choice>
-    <mc:Fallback>
+    <mc:Fallback xmlns="">
       <p:transition spd="slow" advClick="0" advTm="1000"/>
     </mc:Fallback>
   </mc:AlternateContent>
@@ -6377,11 +6379,11 @@
   <p:clrMapOvr>
     <a:masterClrMapping/>
   </p:clrMapOvr>
-  <mc:AlternateContent xmlns:mc="http://schemas.openxmlformats.org/markup-compatibility/2006">
-    <mc:Choice xmlns:p14="http://schemas.microsoft.com/office/powerpoint/2010/main" Requires="p14">
+  <mc:AlternateContent xmlns:mc="http://schemas.openxmlformats.org/markup-compatibility/2006" xmlns:p14="http://schemas.microsoft.com/office/powerpoint/2010/main">
+    <mc:Choice Requires="p14">
       <p:transition spd="slow" p14:dur="2000" advClick="0" advTm="1000"/>
     </mc:Choice>
-    <mc:Fallback>
+    <mc:Fallback xmlns="">
       <p:transition spd="slow" advClick="0" advTm="1000"/>
     </mc:Fallback>
   </mc:AlternateContent>
@@ -6475,11 +6477,11 @@
   <p:clrMapOvr>
     <a:masterClrMapping/>
   </p:clrMapOvr>
-  <mc:AlternateContent xmlns:mc="http://schemas.openxmlformats.org/markup-compatibility/2006">
-    <mc:Choice xmlns:p14="http://schemas.microsoft.com/office/powerpoint/2010/main" Requires="p14">
+  <mc:AlternateContent xmlns:mc="http://schemas.openxmlformats.org/markup-compatibility/2006" xmlns:p14="http://schemas.microsoft.com/office/powerpoint/2010/main">
+    <mc:Choice Requires="p14">
       <p:transition spd="slow" p14:dur="2000" advClick="0" advTm="1000"/>
     </mc:Choice>
-    <mc:Fallback>
+    <mc:Fallback xmlns="">
       <p:transition spd="slow" advClick="0" advTm="1000"/>
     </mc:Fallback>
   </mc:AlternateContent>
@@ -6573,11 +6575,11 @@
   <p:clrMapOvr>
     <a:masterClrMapping/>
   </p:clrMapOvr>
-  <mc:AlternateContent xmlns:mc="http://schemas.openxmlformats.org/markup-compatibility/2006">
-    <mc:Choice xmlns:p14="http://schemas.microsoft.com/office/powerpoint/2010/main" Requires="p14">
+  <mc:AlternateContent xmlns:mc="http://schemas.openxmlformats.org/markup-compatibility/2006" xmlns:p14="http://schemas.microsoft.com/office/powerpoint/2010/main">
+    <mc:Choice Requires="p14">
       <p:transition spd="slow" p14:dur="2000" advClick="0" advTm="1000"/>
     </mc:Choice>
-    <mc:Fallback>
+    <mc:Fallback xmlns="">
       <p:transition spd="slow" advClick="0" advTm="1000"/>
     </mc:Fallback>
   </mc:AlternateContent>
@@ -6671,11 +6673,11 @@
   <p:clrMapOvr>
     <a:masterClrMapping/>
   </p:clrMapOvr>
-  <mc:AlternateContent xmlns:mc="http://schemas.openxmlformats.org/markup-compatibility/2006">
-    <mc:Choice xmlns:p14="http://schemas.microsoft.com/office/powerpoint/2010/main" Requires="p14">
+  <mc:AlternateContent xmlns:mc="http://schemas.openxmlformats.org/markup-compatibility/2006" xmlns:p14="http://schemas.microsoft.com/office/powerpoint/2010/main">
+    <mc:Choice Requires="p14">
       <p:transition spd="slow" p14:dur="2000" advClick="0" advTm="1000"/>
     </mc:Choice>
-    <mc:Fallback>
+    <mc:Fallback xmlns="">
       <p:transition spd="slow" advClick="0" advTm="1000"/>
     </mc:Fallback>
   </mc:AlternateContent>
@@ -6769,11 +6771,11 @@
   <p:clrMapOvr>
     <a:masterClrMapping/>
   </p:clrMapOvr>
-  <mc:AlternateContent xmlns:mc="http://schemas.openxmlformats.org/markup-compatibility/2006">
-    <mc:Choice xmlns:p14="http://schemas.microsoft.com/office/powerpoint/2010/main" Requires="p14">
+  <mc:AlternateContent xmlns:mc="http://schemas.openxmlformats.org/markup-compatibility/2006" xmlns:p14="http://schemas.microsoft.com/office/powerpoint/2010/main">
+    <mc:Choice Requires="p14">
       <p:transition spd="slow" p14:dur="2000" advClick="0" advTm="1000"/>
     </mc:Choice>
-    <mc:Fallback>
+    <mc:Fallback xmlns="">
       <p:transition spd="slow" advClick="0" advTm="1000"/>
     </mc:Fallback>
   </mc:AlternateContent>
@@ -6867,11 +6869,11 @@
   <p:clrMapOvr>
     <a:masterClrMapping/>
   </p:clrMapOvr>
-  <mc:AlternateContent xmlns:mc="http://schemas.openxmlformats.org/markup-compatibility/2006">
-    <mc:Choice xmlns:p14="http://schemas.microsoft.com/office/powerpoint/2010/main" Requires="p14">
+  <mc:AlternateContent xmlns:mc="http://schemas.openxmlformats.org/markup-compatibility/2006" xmlns:p14="http://schemas.microsoft.com/office/powerpoint/2010/main">
+    <mc:Choice Requires="p14">
       <p:transition spd="slow" p14:dur="2000" advClick="0" advTm="1000"/>
     </mc:Choice>
-    <mc:Fallback>
+    <mc:Fallback xmlns="">
       <p:transition spd="slow" advClick="0" advTm="1000"/>
     </mc:Fallback>
   </mc:AlternateContent>
@@ -7799,6 +7801,184 @@
 </p:sld>
 </file>
 
+<file path=ppt/slides/slide24.xml><?xml version="1.0" encoding="utf-8"?>
+<p:sld xmlns:a="http://schemas.openxmlformats.org/drawingml/2006/main" xmlns:r="http://schemas.openxmlformats.org/officeDocument/2006/relationships" xmlns:p="http://schemas.openxmlformats.org/presentationml/2006/main">
+  <p:cSld>
+    <p:spTree>
+      <p:nvGrpSpPr>
+        <p:cNvPr id="1" name=""/>
+        <p:cNvGrpSpPr/>
+        <p:nvPr/>
+      </p:nvGrpSpPr>
+      <p:grpSpPr>
+        <a:xfrm>
+          <a:off x="0" y="0"/>
+          <a:ext cx="0" cy="0"/>
+          <a:chOff x="0" y="0"/>
+          <a:chExt cx="0" cy="0"/>
+        </a:xfrm>
+      </p:grpSpPr>
+      <p:sp>
+        <p:nvSpPr>
+          <p:cNvPr id="2" name="Title 1"/>
+          <p:cNvSpPr>
+            <a:spLocks noGrp="1"/>
+          </p:cNvSpPr>
+          <p:nvPr>
+            <p:ph type="title"/>
+          </p:nvPr>
+        </p:nvSpPr>
+        <p:spPr/>
+        <p:txBody>
+          <a:bodyPr/>
+          <a:lstStyle/>
+          <a:p>
+            <a:r>
+              <a:rPr lang="en-US" dirty="0" smtClean="0"/>
+              <a:t>Reproducible Report Location</a:t>
+            </a:r>
+            <a:endParaRPr lang="en-US" dirty="0"/>
+          </a:p>
+        </p:txBody>
+      </p:sp>
+      <p:sp>
+        <p:nvSpPr>
+          <p:cNvPr id="3" name="Content Placeholder 2"/>
+          <p:cNvSpPr>
+            <a:spLocks noGrp="1"/>
+          </p:cNvSpPr>
+          <p:nvPr>
+            <p:ph idx="1"/>
+          </p:nvPr>
+        </p:nvSpPr>
+        <p:spPr>
+          <a:xfrm>
+            <a:off x="1103312" y="2052918"/>
+            <a:ext cx="10629652" cy="4195481"/>
+          </a:xfrm>
+        </p:spPr>
+        <p:txBody>
+          <a:bodyPr/>
+          <a:lstStyle/>
+          <a:p>
+            <a:r>
+              <a:rPr lang="en-US" dirty="0"/>
+              <a:t>https://</a:t>
+            </a:r>
+            <a:r>
+              <a:rPr lang="en-US" dirty="0" smtClean="0"/>
+              <a:t>github.com/clayv/UC_Boulder_DTSA5301_Final/tree/main/NYPD_Shootings</a:t>
+            </a:r>
+          </a:p>
+          <a:p>
+            <a:r>
+              <a:rPr lang="en-US" dirty="0" smtClean="0"/>
+              <a:t>Contains</a:t>
+            </a:r>
+          </a:p>
+          <a:p>
+            <a:pPr lvl="1"/>
+            <a:r>
+              <a:rPr lang="en-US" dirty="0" err="1" smtClean="0"/>
+              <a:t>RStudio</a:t>
+            </a:r>
+            <a:r>
+              <a:rPr lang="en-US" dirty="0" smtClean="0"/>
+              <a:t> </a:t>
+            </a:r>
+            <a:r>
+              <a:rPr lang="en-US" dirty="0" err="1" smtClean="0"/>
+              <a:t>Rmd</a:t>
+            </a:r>
+            <a:endParaRPr lang="en-US" dirty="0"/>
+          </a:p>
+          <a:p>
+            <a:pPr lvl="1"/>
+            <a:r>
+              <a:rPr lang="en-US" dirty="0" smtClean="0"/>
+              <a:t>Knitted HTML</a:t>
+            </a:r>
+          </a:p>
+          <a:p>
+            <a:pPr lvl="1"/>
+            <a:r>
+              <a:rPr lang="en-US" dirty="0" err="1" smtClean="0"/>
+              <a:t>Powerpoint</a:t>
+            </a:r>
+            <a:r>
+              <a:rPr lang="en-US" dirty="0" smtClean="0"/>
+              <a:t> slide deck</a:t>
+            </a:r>
+            <a:endParaRPr lang="en-US" dirty="0"/>
+          </a:p>
+        </p:txBody>
+      </p:sp>
+    </p:spTree>
+    <p:extLst>
+      <p:ext uri="{BB962C8B-B14F-4D97-AF65-F5344CB8AC3E}">
+        <p14:creationId xmlns:p14="http://schemas.microsoft.com/office/powerpoint/2010/main" val="2065368495"/>
+      </p:ext>
+    </p:extLst>
+  </p:cSld>
+  <p:clrMapOvr>
+    <a:masterClrMapping/>
+  </p:clrMapOvr>
+</p:sld>
+</file>
+
+<file path=ppt/slides/slide25.xml><?xml version="1.0" encoding="utf-8"?>
+<p:sld xmlns:a="http://schemas.openxmlformats.org/drawingml/2006/main" xmlns:r="http://schemas.openxmlformats.org/officeDocument/2006/relationships" xmlns:p="http://schemas.openxmlformats.org/presentationml/2006/main">
+  <p:cSld>
+    <p:spTree>
+      <p:nvGrpSpPr>
+        <p:cNvPr id="1" name=""/>
+        <p:cNvGrpSpPr/>
+        <p:nvPr/>
+      </p:nvGrpSpPr>
+      <p:grpSpPr>
+        <a:xfrm>
+          <a:off x="0" y="0"/>
+          <a:ext cx="0" cy="0"/>
+          <a:chOff x="0" y="0"/>
+          <a:chExt cx="0" cy="0"/>
+        </a:xfrm>
+      </p:grpSpPr>
+      <p:sp>
+        <p:nvSpPr>
+          <p:cNvPr id="2" name="Title 1"/>
+          <p:cNvSpPr>
+            <a:spLocks noGrp="1"/>
+          </p:cNvSpPr>
+          <p:nvPr>
+            <p:ph type="title"/>
+          </p:nvPr>
+        </p:nvSpPr>
+        <p:spPr/>
+        <p:txBody>
+          <a:bodyPr/>
+          <a:lstStyle/>
+          <a:p>
+            <a:r>
+              <a:rPr lang="en-US" dirty="0" smtClean="0"/>
+              <a:t>Thank You!</a:t>
+            </a:r>
+            <a:endParaRPr lang="en-US" dirty="0"/>
+          </a:p>
+        </p:txBody>
+      </p:sp>
+    </p:spTree>
+    <p:extLst>
+      <p:ext uri="{BB962C8B-B14F-4D97-AF65-F5344CB8AC3E}">
+        <p14:creationId xmlns:p14="http://schemas.microsoft.com/office/powerpoint/2010/main" val="3879428717"/>
+      </p:ext>
+    </p:extLst>
+  </p:cSld>
+  <p:clrMapOvr>
+    <a:masterClrMapping/>
+  </p:clrMapOvr>
+</p:sld>
+</file>
+
 <file path=ppt/slides/slide3.xml><?xml version="1.0" encoding="utf-8"?>
 <p:sld xmlns:a="http://schemas.openxmlformats.org/drawingml/2006/main" xmlns:r="http://schemas.openxmlformats.org/officeDocument/2006/relationships" xmlns:p="http://schemas.openxmlformats.org/presentationml/2006/main">
   <p:cSld>
@@ -8126,11 +8306,11 @@
   <p:clrMapOvr>
     <a:masterClrMapping/>
   </p:clrMapOvr>
-  <mc:AlternateContent xmlns:mc="http://schemas.openxmlformats.org/markup-compatibility/2006">
-    <mc:Choice xmlns:p14="http://schemas.microsoft.com/office/powerpoint/2010/main" Requires="p14">
+  <mc:AlternateContent xmlns:mc="http://schemas.openxmlformats.org/markup-compatibility/2006" xmlns:p14="http://schemas.microsoft.com/office/powerpoint/2010/main">
+    <mc:Choice Requires="p14">
       <p:transition spd="slow" p14:dur="2000" advClick="0" advTm="1000"/>
     </mc:Choice>
-    <mc:Fallback>
+    <mc:Fallback xmlns="">
       <p:transition spd="slow" advClick="0" advTm="1000"/>
     </mc:Fallback>
   </mc:AlternateContent>
@@ -8224,11 +8404,11 @@
   <p:clrMapOvr>
     <a:masterClrMapping/>
   </p:clrMapOvr>
-  <mc:AlternateContent xmlns:mc="http://schemas.openxmlformats.org/markup-compatibility/2006">
-    <mc:Choice xmlns:p14="http://schemas.microsoft.com/office/powerpoint/2010/main" Requires="p14">
+  <mc:AlternateContent xmlns:mc="http://schemas.openxmlformats.org/markup-compatibility/2006" xmlns:p14="http://schemas.microsoft.com/office/powerpoint/2010/main">
+    <mc:Choice Requires="p14">
       <p:transition spd="slow" p14:dur="2000" advClick="0" advTm="1000"/>
     </mc:Choice>
-    <mc:Fallback>
+    <mc:Fallback xmlns="">
       <p:transition spd="slow" advClick="0" advTm="1000"/>
     </mc:Fallback>
   </mc:AlternateContent>
@@ -8322,11 +8502,11 @@
   <p:clrMapOvr>
     <a:masterClrMapping/>
   </p:clrMapOvr>
-  <mc:AlternateContent xmlns:mc="http://schemas.openxmlformats.org/markup-compatibility/2006">
-    <mc:Choice xmlns:p14="http://schemas.microsoft.com/office/powerpoint/2010/main" Requires="p14">
+  <mc:AlternateContent xmlns:mc="http://schemas.openxmlformats.org/markup-compatibility/2006" xmlns:p14="http://schemas.microsoft.com/office/powerpoint/2010/main">
+    <mc:Choice Requires="p14">
       <p:transition spd="slow" p14:dur="2000" advClick="0" advTm="1000"/>
     </mc:Choice>
-    <mc:Fallback>
+    <mc:Fallback xmlns="">
       <p:transition spd="slow" advClick="0" advTm="1000"/>
     </mc:Fallback>
   </mc:AlternateContent>
@@ -8420,11 +8600,11 @@
   <p:clrMapOvr>
     <a:masterClrMapping/>
   </p:clrMapOvr>
-  <mc:AlternateContent xmlns:mc="http://schemas.openxmlformats.org/markup-compatibility/2006">
-    <mc:Choice xmlns:p14="http://schemas.microsoft.com/office/powerpoint/2010/main" Requires="p14">
+  <mc:AlternateContent xmlns:mc="http://schemas.openxmlformats.org/markup-compatibility/2006" xmlns:p14="http://schemas.microsoft.com/office/powerpoint/2010/main">
+    <mc:Choice Requires="p14">
       <p:transition spd="slow" p14:dur="2000" advClick="0" advTm="1000"/>
     </mc:Choice>
-    <mc:Fallback>
+    <mc:Fallback xmlns="">
       <p:transition spd="slow" advClick="0" advTm="1000"/>
     </mc:Fallback>
   </mc:AlternateContent>
@@ -8518,11 +8698,11 @@
   <p:clrMapOvr>
     <a:masterClrMapping/>
   </p:clrMapOvr>
-  <mc:AlternateContent xmlns:mc="http://schemas.openxmlformats.org/markup-compatibility/2006">
-    <mc:Choice xmlns:p14="http://schemas.microsoft.com/office/powerpoint/2010/main" Requires="p14">
+  <mc:AlternateContent xmlns:mc="http://schemas.openxmlformats.org/markup-compatibility/2006" xmlns:p14="http://schemas.microsoft.com/office/powerpoint/2010/main">
+    <mc:Choice Requires="p14">
       <p:transition spd="slow" p14:dur="2000" advClick="0" advTm="1000"/>
     </mc:Choice>
-    <mc:Fallback>
+    <mc:Fallback xmlns="">
       <p:transition spd="slow" advClick="0" advTm="1000"/>
     </mc:Fallback>
   </mc:AlternateContent>
